--- a/Prateek Smith Patra - Case Study.pptx
+++ b/Prateek Smith Patra - Case Study.pptx
@@ -5,7 +5,7 @@
     <p:sldMasterId id="2147483661" r:id="rId4"/>
   </p:sldMasterIdLst>
   <p:notesMasterIdLst>
-    <p:notesMasterId r:id="rId23"/>
+    <p:notesMasterId r:id="rId24"/>
   </p:notesMasterIdLst>
   <p:sldIdLst>
     <p:sldId id="278" r:id="rId5"/>
@@ -26,6 +26,7 @@
     <p:sldId id="291" r:id="rId20"/>
     <p:sldId id="293" r:id="rId21"/>
     <p:sldId id="294" r:id="rId22"/>
+    <p:sldId id="295" r:id="rId23"/>
   </p:sldIdLst>
   <p:sldSz cx="12192000" cy="6858000"/>
   <p:notesSz cx="6858000" cy="9144000"/>
@@ -214,7 +215,7 @@
           <a:p>
             <a:fld id="{C452ADB1-275D-430A-89EE-5C7E6CFF6FF2}" type="datetimeFigureOut">
               <a:rPr lang="en-US" smtClean="0"/>
-              <a:t>10/3/2021</a:t>
+              <a:t>10/4/2021</a:t>
             </a:fld>
             <a:endParaRPr lang="en-US" dirty="0"/>
           </a:p>
@@ -672,7 +673,7 @@
           <a:p>
             <a:fld id="{7005E26E-BCB2-4FD5-8FD5-81A5EAE94C21}" type="datetime1">
               <a:rPr lang="en-US" smtClean="0"/>
-              <a:t>10/3/2021</a:t>
+              <a:t>10/4/2021</a:t>
             </a:fld>
             <a:endParaRPr lang="en-US" dirty="0"/>
           </a:p>
@@ -1108,7 +1109,7 @@
           <a:p>
             <a:fld id="{E7EE424C-FCA3-4EDD-B274-8E055D649B7D}" type="datetime1">
               <a:rPr lang="en-US" smtClean="0"/>
-              <a:t>10/3/2021</a:t>
+              <a:t>10/4/2021</a:t>
             </a:fld>
             <a:endParaRPr lang="en-US" dirty="0"/>
           </a:p>
@@ -1360,7 +1361,7 @@
           <a:p>
             <a:fld id="{E7EE424C-FCA3-4EDD-B274-8E055D649B7D}" type="datetime1">
               <a:rPr lang="en-US" smtClean="0"/>
-              <a:t>10/3/2021</a:t>
+              <a:t>10/4/2021</a:t>
             </a:fld>
             <a:endParaRPr lang="en-US" dirty="0"/>
           </a:p>
@@ -1670,7 +1671,7 @@
           <a:p>
             <a:fld id="{E7EE424C-FCA3-4EDD-B274-8E055D649B7D}" type="datetime1">
               <a:rPr lang="en-US" smtClean="0"/>
-              <a:t>10/3/2021</a:t>
+              <a:t>10/4/2021</a:t>
             </a:fld>
             <a:endParaRPr lang="en-US" dirty="0"/>
           </a:p>
@@ -1990,7 +1991,7 @@
           <a:p>
             <a:fld id="{E7EE424C-FCA3-4EDD-B274-8E055D649B7D}" type="datetime1">
               <a:rPr lang="en-US" smtClean="0"/>
-              <a:t>10/3/2021</a:t>
+              <a:t>10/4/2021</a:t>
             </a:fld>
             <a:endParaRPr lang="en-US" dirty="0"/>
           </a:p>
@@ -2294,7 +2295,7 @@
           <a:p>
             <a:fld id="{E7EE424C-FCA3-4EDD-B274-8E055D649B7D}" type="datetime1">
               <a:rPr lang="en-US" smtClean="0"/>
-              <a:t>10/3/2021</a:t>
+              <a:t>10/4/2021</a:t>
             </a:fld>
             <a:endParaRPr lang="en-US" dirty="0"/>
           </a:p>
@@ -2663,7 +2664,7 @@
           <a:p>
             <a:fld id="{E7EE424C-FCA3-4EDD-B274-8E055D649B7D}" type="datetime1">
               <a:rPr lang="en-US" smtClean="0"/>
-              <a:t>10/3/2021</a:t>
+              <a:t>10/4/2021</a:t>
             </a:fld>
             <a:endParaRPr lang="en-US" dirty="0"/>
           </a:p>
@@ -2839,7 +2840,7 @@
           <a:p>
             <a:fld id="{9CC2E9B8-0487-42E4-B571-744A3D775783}" type="datetime1">
               <a:rPr lang="en-US" smtClean="0"/>
-              <a:t>10/3/2021</a:t>
+              <a:t>10/4/2021</a:t>
             </a:fld>
             <a:endParaRPr lang="en-US" dirty="0"/>
           </a:p>
@@ -3019,7 +3020,7 @@
           <a:p>
             <a:fld id="{9052E32D-1E84-43FD-8158-FFFE757EB0E8}" type="datetime1">
               <a:rPr lang="en-US" smtClean="0"/>
-              <a:t>10/3/2021</a:t>
+              <a:t>10/4/2021</a:t>
             </a:fld>
             <a:endParaRPr lang="en-US" dirty="0"/>
           </a:p>
@@ -3189,7 +3190,7 @@
           <a:p>
             <a:fld id="{8585C470-CD19-455C-B830-6D252EAD7FE5}" type="datetime1">
               <a:rPr lang="en-US" smtClean="0"/>
-              <a:t>10/3/2021</a:t>
+              <a:t>10/4/2021</a:t>
             </a:fld>
             <a:endParaRPr lang="en-US" dirty="0"/>
           </a:p>
@@ -3439,7 +3440,7 @@
           <a:p>
             <a:fld id="{7F85C43C-50D9-4F49-A136-0EFF292F93ED}" type="datetime1">
               <a:rPr lang="en-US" smtClean="0"/>
-              <a:t>10/3/2021</a:t>
+              <a:t>10/4/2021</a:t>
             </a:fld>
             <a:endParaRPr lang="en-US" dirty="0"/>
           </a:p>
@@ -3675,7 +3676,7 @@
           <a:p>
             <a:fld id="{7B53B1A3-0AEF-4064-A724-D27D660C8653}" type="datetime1">
               <a:rPr lang="en-US" smtClean="0"/>
-              <a:t>10/3/2021</a:t>
+              <a:t>10/4/2021</a:t>
             </a:fld>
             <a:endParaRPr lang="en-US" dirty="0"/>
           </a:p>
@@ -4057,7 +4058,7 @@
           <a:p>
             <a:fld id="{37D5D0F2-BF66-4A24-9384-A0129B196518}" type="datetime1">
               <a:rPr lang="en-US" smtClean="0"/>
-              <a:t>10/3/2021</a:t>
+              <a:t>10/4/2021</a:t>
             </a:fld>
             <a:endParaRPr lang="en-US" dirty="0"/>
           </a:p>
@@ -4175,7 +4176,7 @@
           <a:p>
             <a:fld id="{8C318A6C-4F6B-48D2-BDB0-D7413B3FDB0A}" type="datetime1">
               <a:rPr lang="en-US" smtClean="0"/>
-              <a:t>10/3/2021</a:t>
+              <a:t>10/4/2021</a:t>
             </a:fld>
             <a:endParaRPr lang="en-US" dirty="0"/>
           </a:p>
@@ -4270,7 +4271,7 @@
           <a:p>
             <a:fld id="{BF01ECED-6ECE-4989-B917-9D4D7E6D3C76}" type="datetime1">
               <a:rPr lang="en-US" smtClean="0"/>
-              <a:t>10/3/2021</a:t>
+              <a:t>10/4/2021</a:t>
             </a:fld>
             <a:endParaRPr lang="en-US" dirty="0"/>
           </a:p>
@@ -4525,7 +4526,7 @@
           <a:p>
             <a:fld id="{E3B570E1-CB40-488E-8C6F-EF4211DFFCB0}" type="datetime1">
               <a:rPr lang="en-US" smtClean="0"/>
-              <a:t>10/3/2021</a:t>
+              <a:t>10/4/2021</a:t>
             </a:fld>
             <a:endParaRPr lang="en-US" dirty="0"/>
           </a:p>
@@ -4808,7 +4809,7 @@
           <a:p>
             <a:fld id="{D1CEB6AF-9F5C-43BE-879E-CB9514111250}" type="datetime1">
               <a:rPr lang="en-US" smtClean="0"/>
-              <a:t>10/3/2021</a:t>
+              <a:t>10/4/2021</a:t>
             </a:fld>
             <a:endParaRPr lang="en-US" dirty="0"/>
           </a:p>
@@ -5214,7 +5215,7 @@
           <a:p>
             <a:fld id="{E7EE424C-FCA3-4EDD-B274-8E055D649B7D}" type="datetime1">
               <a:rPr lang="en-US" smtClean="0"/>
-              <a:t>10/3/2021</a:t>
+              <a:t>10/4/2021</a:t>
             </a:fld>
             <a:endParaRPr lang="en-US" dirty="0"/>
           </a:p>
@@ -8004,6 +8005,36 @@
     <p:extLst>
       <p:ext uri="{BB962C8B-B14F-4D97-AF65-F5344CB8AC3E}">
         <p14:creationId xmlns:p14="http://schemas.microsoft.com/office/powerpoint/2010/main" val="114616096"/>
+      </p:ext>
+    </p:extLst>
+  </p:cSld>
+  <p:clrMapOvr>
+    <a:masterClrMapping/>
+  </p:clrMapOvr>
+</p:sld>
+</file>
+
+<file path=ppt/slides/slide19.xml><?xml version="1.0" encoding="utf-8"?>
+<p:sld xmlns:a="http://schemas.openxmlformats.org/drawingml/2006/main" xmlns:r="http://schemas.openxmlformats.org/officeDocument/2006/relationships" xmlns:p="http://schemas.openxmlformats.org/presentationml/2006/main">
+  <p:cSld>
+    <p:spTree>
+      <p:nvGrpSpPr>
+        <p:cNvPr id="1" name=""/>
+        <p:cNvGrpSpPr/>
+        <p:nvPr/>
+      </p:nvGrpSpPr>
+      <p:grpSpPr>
+        <a:xfrm>
+          <a:off x="0" y="0"/>
+          <a:ext cx="0" cy="0"/>
+          <a:chOff x="0" y="0"/>
+          <a:chExt cx="0" cy="0"/>
+        </a:xfrm>
+      </p:grpSpPr>
+    </p:spTree>
+    <p:extLst>
+      <p:ext uri="{BB962C8B-B14F-4D97-AF65-F5344CB8AC3E}">
+        <p14:creationId xmlns:p14="http://schemas.microsoft.com/office/powerpoint/2010/main" val="3344762045"/>
       </p:ext>
     </p:extLst>
   </p:cSld>
@@ -10704,20 +10735,20 @@
 </file>
 
 <file path=customXml/item1.xml><?xml version="1.0" encoding="utf-8"?>
+<p:properties xmlns:p="http://schemas.microsoft.com/office/2006/metadata/properties" xmlns:xsi="http://www.w3.org/2001/XMLSchema-instance" xmlns:pc="http://schemas.microsoft.com/office/infopath/2007/PartnerControls">
+  <documentManagement>
+    <MediaServiceKeyPoints xmlns="71af3243-3dd4-4a8d-8c0d-dd76da1f02a5" xsi:nil="true"/>
+  </documentManagement>
+</p:properties>
+</file>
+
+<file path=customXml/item2.xml><?xml version="1.0" encoding="utf-8"?>
 <?mso-contentType ?>
 <FormTemplates xmlns="http://schemas.microsoft.com/sharepoint/v3/contenttype/forms">
   <Display>DocumentLibraryForm</Display>
   <Edit>DocumentLibraryForm</Edit>
   <New>DocumentLibraryForm</New>
 </FormTemplates>
-</file>
-
-<file path=customXml/item2.xml><?xml version="1.0" encoding="utf-8"?>
-<p:properties xmlns:p="http://schemas.microsoft.com/office/2006/metadata/properties" xmlns:xsi="http://www.w3.org/2001/XMLSchema-instance" xmlns:pc="http://schemas.microsoft.com/office/infopath/2007/PartnerControls">
-  <documentManagement>
-    <MediaServiceKeyPoints xmlns="71af3243-3dd4-4a8d-8c0d-dd76da1f02a5" xsi:nil="true"/>
-  </documentManagement>
-</p:properties>
 </file>
 
 <file path=customXml/item3.xml><?xml version="1.0" encoding="utf-8"?>
@@ -10932,19 +10963,19 @@
 </file>
 
 <file path=customXml/itemProps1.xml><?xml version="1.0" encoding="utf-8"?>
-<ds:datastoreItem xmlns:ds="http://schemas.openxmlformats.org/officeDocument/2006/customXml" ds:itemID="{4F44C90D-2A62-4985-9618-3460247437B1}">
+<ds:datastoreItem xmlns:ds="http://schemas.openxmlformats.org/officeDocument/2006/customXml" ds:itemID="{788A2F88-55C5-4ED1-9541-807C65424763}">
   <ds:schemaRefs>
-    <ds:schemaRef ds:uri="http://schemas.microsoft.com/sharepoint/v3/contenttype/forms"/>
+    <ds:schemaRef ds:uri="http://schemas.microsoft.com/office/2006/metadata/properties"/>
+    <ds:schemaRef ds:uri="http://schemas.microsoft.com/office/infopath/2007/PartnerControls"/>
+    <ds:schemaRef ds:uri="71af3243-3dd4-4a8d-8c0d-dd76da1f02a5"/>
   </ds:schemaRefs>
 </ds:datastoreItem>
 </file>
 
 <file path=customXml/itemProps2.xml><?xml version="1.0" encoding="utf-8"?>
-<ds:datastoreItem xmlns:ds="http://schemas.openxmlformats.org/officeDocument/2006/customXml" ds:itemID="{788A2F88-55C5-4ED1-9541-807C65424763}">
+<ds:datastoreItem xmlns:ds="http://schemas.openxmlformats.org/officeDocument/2006/customXml" ds:itemID="{4F44C90D-2A62-4985-9618-3460247437B1}">
   <ds:schemaRefs>
-    <ds:schemaRef ds:uri="http://schemas.microsoft.com/office/2006/metadata/properties"/>
-    <ds:schemaRef ds:uri="http://schemas.microsoft.com/office/infopath/2007/PartnerControls"/>
-    <ds:schemaRef ds:uri="71af3243-3dd4-4a8d-8c0d-dd76da1f02a5"/>
+    <ds:schemaRef ds:uri="http://schemas.microsoft.com/sharepoint/v3/contenttype/forms"/>
   </ds:schemaRefs>
 </ds:datastoreItem>
 </file>
